--- a/Winter Term Progress PPT Combined.pptx
+++ b/Winter Term Progress PPT Combined.pptx
@@ -5,10 +5,10 @@
     <p:sldMasterId id="2147483677" r:id="rId1"/>
   </p:sldMasterIdLst>
   <p:notesMasterIdLst>
-    <p:notesMasterId r:id="rId30"/>
+    <p:notesMasterId r:id="rId29"/>
   </p:notesMasterIdLst>
   <p:handoutMasterIdLst>
-    <p:handoutMasterId r:id="rId31"/>
+    <p:handoutMasterId r:id="rId30"/>
   </p:handoutMasterIdLst>
   <p:sldIdLst>
     <p:sldId id="336" r:id="rId2"/>
@@ -20,25 +20,24 @@
     <p:sldId id="342" r:id="rId8"/>
     <p:sldId id="343" r:id="rId9"/>
     <p:sldId id="344" r:id="rId10"/>
-    <p:sldId id="345" r:id="rId11"/>
-    <p:sldId id="322" r:id="rId12"/>
-    <p:sldId id="323" r:id="rId13"/>
-    <p:sldId id="333" r:id="rId14"/>
-    <p:sldId id="335" r:id="rId15"/>
-    <p:sldId id="324" r:id="rId16"/>
-    <p:sldId id="325" r:id="rId17"/>
-    <p:sldId id="326" r:id="rId18"/>
-    <p:sldId id="327" r:id="rId19"/>
-    <p:sldId id="328" r:id="rId20"/>
-    <p:sldId id="329" r:id="rId21"/>
-    <p:sldId id="330" r:id="rId22"/>
-    <p:sldId id="331" r:id="rId23"/>
-    <p:sldId id="332" r:id="rId24"/>
-    <p:sldId id="318" r:id="rId25"/>
-    <p:sldId id="315" r:id="rId26"/>
-    <p:sldId id="320" r:id="rId27"/>
-    <p:sldId id="316" r:id="rId28"/>
-    <p:sldId id="346" r:id="rId29"/>
+    <p:sldId id="322" r:id="rId11"/>
+    <p:sldId id="323" r:id="rId12"/>
+    <p:sldId id="333" r:id="rId13"/>
+    <p:sldId id="335" r:id="rId14"/>
+    <p:sldId id="324" r:id="rId15"/>
+    <p:sldId id="325" r:id="rId16"/>
+    <p:sldId id="326" r:id="rId17"/>
+    <p:sldId id="327" r:id="rId18"/>
+    <p:sldId id="328" r:id="rId19"/>
+    <p:sldId id="329" r:id="rId20"/>
+    <p:sldId id="330" r:id="rId21"/>
+    <p:sldId id="331" r:id="rId22"/>
+    <p:sldId id="332" r:id="rId23"/>
+    <p:sldId id="318" r:id="rId24"/>
+    <p:sldId id="315" r:id="rId25"/>
+    <p:sldId id="320" r:id="rId26"/>
+    <p:sldId id="316" r:id="rId27"/>
+    <p:sldId id="346" r:id="rId28"/>
   </p:sldIdLst>
   <p:sldSz cx="9144000" cy="6858000" type="screen4x3"/>
   <p:notesSz cx="6858000" cy="9144000"/>
@@ -152,6 +151,9 @@
         </p15:guide>
       </p15:sldGuideLst>
     </p:ext>
+    <p:ext uri="{2D200454-40CA-4A62-9FC3-DE9A4176ACB9}">
+      <p15:notesGuideLst xmlns:p15="http://schemas.microsoft.com/office/powerpoint/2012/main"/>
+    </p:ext>
   </p:extLst>
 </p:presentation>
 </file>
@@ -238,7 +240,7 @@
           <a:p>
             <a:fld id="{B6E4DF48-21D8-4369-A281-3F38BEA89014}" type="datetimeFigureOut">
               <a:rPr lang="en-US" smtClean="0"/>
-              <a:t>15.02.2017</a:t>
+              <a:t>2/15/2017</a:t>
             </a:fld>
             <a:endParaRPr lang="en-US"/>
           </a:p>
@@ -404,7 +406,7 @@
             <a:fld id="{8681BCE5-CCF9-4331-81C9-17F788821E80}" type="datetimeFigureOut">
               <a:rPr lang="en-US" smtClean="0"/>
               <a:pPr/>
-              <a:t>15.02.2017</a:t>
+              <a:t>2/15/2017</a:t>
             </a:fld>
             <a:endParaRPr lang="en-US"/>
           </a:p>
@@ -995,44 +997,8 @@
         </p:nvSpPr>
         <p:spPr/>
         <p:txBody>
-          <a:bodyPr>
-            <a:normAutofit/>
-          </a:bodyPr>
-          <a:lstStyle/>
-          <a:p>
-            <a:r>
-              <a:rPr lang="en-US" dirty="0"/>
-              <a:t>We are on track and have</a:t>
-            </a:r>
-            <a:r>
-              <a:rPr lang="en-US" baseline="0" dirty="0"/>
-              <a:t> set a deadline to finish a basic system by the end of </a:t>
-            </a:r>
-            <a:r>
-              <a:rPr lang="en-US" baseline="0" dirty="0" err="1"/>
-              <a:t>december</a:t>
-            </a:r>
-            <a:r>
-              <a:rPr lang="en-US" baseline="0" dirty="0"/>
-              <a:t> with testing beginning </a:t>
-            </a:r>
-            <a:r>
-              <a:rPr lang="en-US" baseline="0" dirty="0" err="1"/>
-              <a:t>Janurary</a:t>
-            </a:r>
-            <a:r>
-              <a:rPr lang="en-US" baseline="0" dirty="0"/>
-              <a:t> through the end of </a:t>
-            </a:r>
-            <a:r>
-              <a:rPr lang="en-US" baseline="0" dirty="0" err="1"/>
-              <a:t>janurary</a:t>
-            </a:r>
-            <a:r>
-              <a:rPr lang="en-US" baseline="0" dirty="0"/>
-              <a:t> </a:t>
-            </a:r>
-          </a:p>
+          <a:bodyPr/>
+          <a:lstStyle/>
           <a:p>
             <a:endParaRPr lang="en-US" dirty="0"/>
           </a:p>
@@ -1056,7 +1022,7 @@
             <a:fld id="{E1766FA9-1905-42A0-8C97-427ED433C435}" type="slidenum">
               <a:rPr lang="en-US" smtClean="0"/>
               <a:pPr/>
-              <a:t>10</a:t>
+              <a:t>21</a:t>
             </a:fld>
             <a:endParaRPr lang="en-US"/>
           </a:p>
@@ -1065,7 +1031,7 @@
     </p:spTree>
     <p:extLst>
       <p:ext uri="{BB962C8B-B14F-4D97-AF65-F5344CB8AC3E}">
-        <p14:creationId xmlns:p14="http://schemas.microsoft.com/office/powerpoint/2010/main" val="3030466681"/>
+        <p14:creationId xmlns:p14="http://schemas.microsoft.com/office/powerpoint/2010/main" val="594479352"/>
       </p:ext>
     </p:extLst>
   </p:cSld>
@@ -1142,91 +1108,6 @@
               <a:rPr lang="en-US" smtClean="0"/>
               <a:pPr/>
               <a:t>22</a:t>
-            </a:fld>
-            <a:endParaRPr lang="en-US"/>
-          </a:p>
-        </p:txBody>
-      </p:sp>
-    </p:spTree>
-    <p:extLst>
-      <p:ext uri="{BB962C8B-B14F-4D97-AF65-F5344CB8AC3E}">
-        <p14:creationId xmlns:p14="http://schemas.microsoft.com/office/powerpoint/2010/main" val="594479352"/>
-      </p:ext>
-    </p:extLst>
-  </p:cSld>
-  <p:clrMapOvr>
-    <a:masterClrMapping/>
-  </p:clrMapOvr>
-</p:notes>
-</file>
-
-<file path=ppt/notesSlides/notesSlide5.xml><?xml version="1.0" encoding="utf-8"?>
-<p:notes xmlns:a="http://schemas.openxmlformats.org/drawingml/2006/main" xmlns:r="http://schemas.openxmlformats.org/officeDocument/2006/relationships" xmlns:p="http://schemas.openxmlformats.org/presentationml/2006/main">
-  <p:cSld>
-    <p:spTree>
-      <p:nvGrpSpPr>
-        <p:cNvPr id="1" name=""/>
-        <p:cNvGrpSpPr/>
-        <p:nvPr/>
-      </p:nvGrpSpPr>
-      <p:grpSpPr>
-        <a:xfrm>
-          <a:off x="0" y="0"/>
-          <a:ext cx="0" cy="0"/>
-          <a:chOff x="0" y="0"/>
-          <a:chExt cx="0" cy="0"/>
-        </a:xfrm>
-      </p:grpSpPr>
-      <p:sp>
-        <p:nvSpPr>
-          <p:cNvPr id="2" name="Slide Image Placeholder 1"/>
-          <p:cNvSpPr>
-            <a:spLocks noGrp="1" noRot="1" noChangeAspect="1"/>
-          </p:cNvSpPr>
-          <p:nvPr>
-            <p:ph type="sldImg"/>
-          </p:nvPr>
-        </p:nvSpPr>
-        <p:spPr/>
-      </p:sp>
-      <p:sp>
-        <p:nvSpPr>
-          <p:cNvPr id="3" name="Notes Placeholder 2"/>
-          <p:cNvSpPr>
-            <a:spLocks noGrp="1"/>
-          </p:cNvSpPr>
-          <p:nvPr>
-            <p:ph type="body" idx="1"/>
-          </p:nvPr>
-        </p:nvSpPr>
-        <p:spPr/>
-        <p:txBody>
-          <a:bodyPr/>
-          <a:lstStyle/>
-          <a:p>
-            <a:endParaRPr lang="en-US" dirty="0"/>
-          </a:p>
-        </p:txBody>
-      </p:sp>
-      <p:sp>
-        <p:nvSpPr>
-          <p:cNvPr id="4" name="Slide Number Placeholder 3"/>
-          <p:cNvSpPr>
-            <a:spLocks noGrp="1"/>
-          </p:cNvSpPr>
-          <p:nvPr>
-            <p:ph type="sldNum" sz="quarter" idx="10"/>
-          </p:nvPr>
-        </p:nvSpPr>
-        <p:spPr/>
-        <p:txBody>
-          <a:bodyPr/>
-          <a:lstStyle/>
-          <a:p>
-            <a:fld id="{E1766FA9-1905-42A0-8C97-427ED433C435}" type="slidenum">
-              <a:rPr lang="en-US" smtClean="0"/>
-              <a:pPr/>
-              <a:t>23</a:t>
             </a:fld>
             <a:endParaRPr lang="en-US"/>
           </a:p>
@@ -1442,7 +1323,7 @@
           <a:p>
             <a:fld id="{BC57835F-45F6-4205-A78A-40D3763D8611}" type="datetime1">
               <a:rPr lang="en-US" smtClean="0"/>
-              <a:t>15.02.2017</a:t>
+              <a:t>2/15/2017</a:t>
             </a:fld>
             <a:endParaRPr lang="en-US"/>
           </a:p>
@@ -1669,7 +1550,7 @@
           <a:p>
             <a:fld id="{6AD5E1DF-A40E-4906-8D44-DA3F8AC627FD}" type="datetime1">
               <a:rPr lang="en-US" smtClean="0"/>
-              <a:t>15.02.2017</a:t>
+              <a:t>2/15/2017</a:t>
             </a:fld>
             <a:endParaRPr lang="en-US"/>
           </a:p>
@@ -1850,7 +1731,7 @@
           <a:p>
             <a:fld id="{280221DB-9805-4F91-A8FC-780D6A00CFCA}" type="datetime1">
               <a:rPr lang="en-US" smtClean="0"/>
-              <a:t>15.02.2017</a:t>
+              <a:t>2/15/2017</a:t>
             </a:fld>
             <a:endParaRPr lang="en-US"/>
           </a:p>
@@ -2028,7 +1909,7 @@
           <a:p>
             <a:fld id="{3BA2F203-989D-4B65-9BB2-B8A91E147AA5}" type="datetime1">
               <a:rPr lang="en-US" smtClean="0"/>
-              <a:t>15.02.2017</a:t>
+              <a:t>2/15/2017</a:t>
             </a:fld>
             <a:endParaRPr lang="en-US"/>
           </a:p>
@@ -2289,7 +2170,7 @@
           <a:p>
             <a:fld id="{D8DE240D-DF39-4E77-8FAF-B23E5204D0C3}" type="datetime1">
               <a:rPr lang="en-US" smtClean="0"/>
-              <a:t>15.02.2017</a:t>
+              <a:t>2/15/2017</a:t>
             </a:fld>
             <a:endParaRPr lang="en-US"/>
           </a:p>
@@ -2613,7 +2494,7 @@
           <a:p>
             <a:fld id="{2A278D53-215B-4BF9-9E99-84B8B4BCC408}" type="datetime1">
               <a:rPr lang="en-US" smtClean="0"/>
-              <a:t>15.02.2017</a:t>
+              <a:t>2/15/2017</a:t>
             </a:fld>
             <a:endParaRPr lang="en-US"/>
           </a:p>
@@ -3038,7 +2919,7 @@
           <a:p>
             <a:fld id="{FE642856-2032-4CAF-B1D0-975F0ACD12E8}" type="datetime1">
               <a:rPr lang="en-US" smtClean="0"/>
-              <a:t>15.02.2017</a:t>
+              <a:t>2/15/2017</a:t>
             </a:fld>
             <a:endParaRPr lang="en-US"/>
           </a:p>
@@ -3157,7 +3038,7 @@
           <a:p>
             <a:fld id="{92EBE14B-A18E-4F54-AA7E-1F7ADE3E2E2D}" type="datetime1">
               <a:rPr lang="en-US" smtClean="0"/>
-              <a:t>15.02.2017</a:t>
+              <a:t>2/15/2017</a:t>
             </a:fld>
             <a:endParaRPr lang="en-US"/>
           </a:p>
@@ -3253,7 +3134,7 @@
           <a:p>
             <a:fld id="{ADED9AE5-1836-4405-A6AD-67E262B4EDA0}" type="datetime1">
               <a:rPr lang="en-US" smtClean="0"/>
-              <a:t>15.02.2017</a:t>
+              <a:t>2/15/2017</a:t>
             </a:fld>
             <a:endParaRPr lang="en-US"/>
           </a:p>
@@ -3544,7 +3425,7 @@
           <a:p>
             <a:fld id="{0694AF74-AB72-44A5-9D6F-D1C6FD5F7BF5}" type="datetime1">
               <a:rPr lang="en-US" smtClean="0"/>
-              <a:t>15.02.2017</a:t>
+              <a:t>2/15/2017</a:t>
             </a:fld>
             <a:endParaRPr lang="en-US"/>
           </a:p>
@@ -3817,7 +3698,7 @@
           <a:p>
             <a:fld id="{63E6AFD3-081D-4DA3-9A3C-D680117280F5}" type="datetime1">
               <a:rPr lang="en-US" smtClean="0"/>
-              <a:t>15.02.2017</a:t>
+              <a:t>2/15/2017</a:t>
             </a:fld>
             <a:endParaRPr lang="en-US"/>
           </a:p>
@@ -4070,7 +3951,7 @@
           <a:p>
             <a:fld id="{A32E7E11-F46D-4315-9806-7308C67D6822}" type="datetime1">
               <a:rPr lang="en-US" smtClean="0"/>
-              <a:t>15.02.2017</a:t>
+              <a:t>2/15/2017</a:t>
             </a:fld>
             <a:endParaRPr lang="en-US"/>
           </a:p>
@@ -4609,210 +4490,6 @@
       </p:grpSpPr>
       <p:sp>
         <p:nvSpPr>
-          <p:cNvPr id="2" name="Title 1"/>
-          <p:cNvSpPr>
-            <a:spLocks noGrp="1"/>
-          </p:cNvSpPr>
-          <p:nvPr>
-            <p:ph type="title"/>
-          </p:nvPr>
-        </p:nvSpPr>
-        <p:spPr/>
-        <p:txBody>
-          <a:bodyPr/>
-          <a:lstStyle/>
-          <a:p>
-            <a:pPr algn="ctr"/>
-            <a:r>
-              <a:rPr lang="en-US" dirty="0">
-                <a:solidFill>
-                  <a:schemeClr val="tx1"/>
-                </a:solidFill>
-              </a:rPr>
-              <a:t>Progress</a:t>
-            </a:r>
-          </a:p>
-        </p:txBody>
-      </p:sp>
-      <p:sp>
-        <p:nvSpPr>
-          <p:cNvPr id="3" name="Content Placeholder 2"/>
-          <p:cNvSpPr>
-            <a:spLocks noGrp="1"/>
-          </p:cNvSpPr>
-          <p:nvPr>
-            <p:ph idx="1"/>
-          </p:nvPr>
-        </p:nvSpPr>
-        <p:spPr/>
-        <p:txBody>
-          <a:bodyPr>
-            <a:normAutofit/>
-          </a:bodyPr>
-          <a:lstStyle/>
-          <a:p>
-            <a:r>
-              <a:rPr lang="en-US" sz="2200" dirty="0">
-                <a:solidFill>
-                  <a:schemeClr val="tx1"/>
-                </a:solidFill>
-              </a:rPr>
-              <a:t>Basic System</a:t>
-            </a:r>
-          </a:p>
-          <a:p>
-            <a:pPr lvl="1"/>
-            <a:r>
-              <a:rPr lang="en-US" sz="2200" dirty="0">
-                <a:solidFill>
-                  <a:schemeClr val="tx1"/>
-                </a:solidFill>
-              </a:rPr>
-              <a:t> 1-Nov to 25-Dec</a:t>
-            </a:r>
-          </a:p>
-          <a:p>
-            <a:r>
-              <a:rPr lang="en-US" sz="2200" dirty="0">
-                <a:solidFill>
-                  <a:schemeClr val="tx1"/>
-                </a:solidFill>
-              </a:rPr>
-              <a:t>Basic System Testing </a:t>
-            </a:r>
-          </a:p>
-          <a:p>
-            <a:pPr lvl="1"/>
-            <a:r>
-              <a:rPr lang="en-US" sz="2200" dirty="0">
-                <a:solidFill>
-                  <a:schemeClr val="tx1"/>
-                </a:solidFill>
-              </a:rPr>
-              <a:t>25-Dec to 25-Jan</a:t>
-            </a:r>
-          </a:p>
-          <a:p>
-            <a:r>
-              <a:rPr lang="en-US" sz="2200" dirty="0">
-                <a:solidFill>
-                  <a:schemeClr val="tx1"/>
-                </a:solidFill>
-              </a:rPr>
-              <a:t>Real System Design</a:t>
-            </a:r>
-          </a:p>
-          <a:p>
-            <a:pPr lvl="1"/>
-            <a:r>
-              <a:rPr lang="en-US" sz="2200" dirty="0">
-                <a:solidFill>
-                  <a:schemeClr val="tx1"/>
-                </a:solidFill>
-              </a:rPr>
-              <a:t> 25-Jan to 15-Feb</a:t>
-            </a:r>
-          </a:p>
-          <a:p>
-            <a:r>
-              <a:rPr lang="en-US" sz="2200" b="1" u="sng" dirty="0">
-                <a:solidFill>
-                  <a:schemeClr val="tx1"/>
-                </a:solidFill>
-              </a:rPr>
-              <a:t>Complex Radar Antenna Model</a:t>
-            </a:r>
-          </a:p>
-          <a:p>
-            <a:pPr lvl="1"/>
-            <a:r>
-              <a:rPr lang="en-US" sz="2200" b="1" u="sng" dirty="0">
-                <a:solidFill>
-                  <a:schemeClr val="tx1"/>
-                </a:solidFill>
-              </a:rPr>
-              <a:t> 15-Feb to 18-Mar</a:t>
-            </a:r>
-          </a:p>
-          <a:p>
-            <a:r>
-              <a:rPr lang="en-US" sz="2200" dirty="0">
-                <a:solidFill>
-                  <a:schemeClr val="tx1"/>
-                </a:solidFill>
-              </a:rPr>
-              <a:t>Presentation</a:t>
-            </a:r>
-          </a:p>
-          <a:p>
-            <a:pPr lvl="1"/>
-            <a:r>
-              <a:rPr lang="en-US" sz="2200" dirty="0">
-                <a:solidFill>
-                  <a:schemeClr val="tx1"/>
-                </a:solidFill>
-              </a:rPr>
-              <a:t>5-Mar to 20-Mar</a:t>
-            </a:r>
-          </a:p>
-        </p:txBody>
-      </p:sp>
-      <p:sp>
-        <p:nvSpPr>
-          <p:cNvPr id="4" name="Slide Number Placeholder 3"/>
-          <p:cNvSpPr>
-            <a:spLocks noGrp="1"/>
-          </p:cNvSpPr>
-          <p:nvPr>
-            <p:ph type="sldNum" sz="quarter" idx="12"/>
-          </p:nvPr>
-        </p:nvSpPr>
-        <p:spPr/>
-        <p:txBody>
-          <a:bodyPr/>
-          <a:lstStyle/>
-          <a:p>
-            <a:fld id="{B6F15528-21DE-4FAA-801E-634DDDAF4B2B}" type="slidenum">
-              <a:rPr lang="en-US" smtClean="0"/>
-              <a:pPr/>
-              <a:t>10</a:t>
-            </a:fld>
-            <a:endParaRPr lang="en-US" dirty="0"/>
-          </a:p>
-        </p:txBody>
-      </p:sp>
-    </p:spTree>
-    <p:extLst>
-      <p:ext uri="{BB962C8B-B14F-4D97-AF65-F5344CB8AC3E}">
-        <p14:creationId xmlns:p14="http://schemas.microsoft.com/office/powerpoint/2010/main" val="3414507006"/>
-      </p:ext>
-    </p:extLst>
-  </p:cSld>
-  <p:clrMapOvr>
-    <a:masterClrMapping/>
-  </p:clrMapOvr>
-</p:sld>
-</file>
-
-<file path=ppt/slides/slide11.xml><?xml version="1.0" encoding="utf-8"?>
-<p:sld xmlns:a="http://schemas.openxmlformats.org/drawingml/2006/main" xmlns:r="http://schemas.openxmlformats.org/officeDocument/2006/relationships" xmlns:p="http://schemas.openxmlformats.org/presentationml/2006/main">
-  <p:cSld>
-    <p:spTree>
-      <p:nvGrpSpPr>
-        <p:cNvPr id="1" name=""/>
-        <p:cNvGrpSpPr/>
-        <p:nvPr/>
-      </p:nvGrpSpPr>
-      <p:grpSpPr>
-        <a:xfrm>
-          <a:off x="0" y="0"/>
-          <a:ext cx="0" cy="0"/>
-          <a:chOff x="0" y="0"/>
-          <a:chExt cx="0" cy="0"/>
-        </a:xfrm>
-      </p:grpSpPr>
-      <p:sp>
-        <p:nvSpPr>
           <p:cNvPr id="4" name="Title 3"/>
           <p:cNvSpPr>
             <a:spLocks noGrp="1"/>
@@ -4858,7 +4535,7 @@
             <a:fld id="{B6F15528-21DE-4FAA-801E-634DDDAF4B2B}" type="slidenum">
               <a:rPr lang="en-US" smtClean="0"/>
               <a:pPr/>
-              <a:t>11</a:t>
+              <a:t>10</a:t>
             </a:fld>
             <a:endParaRPr lang="en-US" dirty="0"/>
           </a:p>
@@ -4877,7 +4554,7 @@
 </p:sld>
 </file>
 
-<file path=ppt/slides/slide12.xml><?xml version="1.0" encoding="utf-8"?>
+<file path=ppt/slides/slide11.xml><?xml version="1.0" encoding="utf-8"?>
 <p:sld xmlns:a="http://schemas.openxmlformats.org/drawingml/2006/main" xmlns:r="http://schemas.openxmlformats.org/officeDocument/2006/relationships" xmlns:p="http://schemas.openxmlformats.org/presentationml/2006/main">
   <p:cSld>
     <p:spTree>
@@ -5023,7 +4700,7 @@
             <a:fld id="{B6F15528-21DE-4FAA-801E-634DDDAF4B2B}" type="slidenum">
               <a:rPr lang="en-US" smtClean="0"/>
               <a:pPr/>
-              <a:t>12</a:t>
+              <a:t>11</a:t>
             </a:fld>
             <a:endParaRPr lang="en-US"/>
           </a:p>
@@ -5033,6 +4710,205 @@
     <p:extLst>
       <p:ext uri="{BB962C8B-B14F-4D97-AF65-F5344CB8AC3E}">
         <p14:creationId xmlns:p14="http://schemas.microsoft.com/office/powerpoint/2010/main" val="3711307332"/>
+      </p:ext>
+    </p:extLst>
+  </p:cSld>
+  <p:clrMapOvr>
+    <a:masterClrMapping/>
+  </p:clrMapOvr>
+</p:sld>
+</file>
+
+<file path=ppt/slides/slide12.xml><?xml version="1.0" encoding="utf-8"?>
+<p:sld xmlns:a="http://schemas.openxmlformats.org/drawingml/2006/main" xmlns:r="http://schemas.openxmlformats.org/officeDocument/2006/relationships" xmlns:p="http://schemas.openxmlformats.org/presentationml/2006/main">
+  <p:cSld>
+    <p:spTree>
+      <p:nvGrpSpPr>
+        <p:cNvPr id="1" name=""/>
+        <p:cNvGrpSpPr/>
+        <p:nvPr/>
+      </p:nvGrpSpPr>
+      <p:grpSpPr>
+        <a:xfrm>
+          <a:off x="0" y="0"/>
+          <a:ext cx="0" cy="0"/>
+          <a:chOff x="0" y="0"/>
+          <a:chExt cx="0" cy="0"/>
+        </a:xfrm>
+      </p:grpSpPr>
+      <p:sp>
+        <p:nvSpPr>
+          <p:cNvPr id="2" name="Title 1"/>
+          <p:cNvSpPr>
+            <a:spLocks noGrp="1"/>
+          </p:cNvSpPr>
+          <p:nvPr>
+            <p:ph type="title"/>
+          </p:nvPr>
+        </p:nvSpPr>
+        <p:spPr>
+          <a:xfrm>
+            <a:off x="228600" y="274638"/>
+            <a:ext cx="8458200" cy="868362"/>
+          </a:xfrm>
+        </p:spPr>
+        <p:txBody>
+          <a:bodyPr>
+            <a:normAutofit/>
+          </a:bodyPr>
+          <a:lstStyle/>
+          <a:p>
+            <a:pPr algn="ctr"/>
+            <a:r>
+              <a:rPr lang="en-CA" dirty="0">
+                <a:solidFill>
+                  <a:schemeClr val="tx1"/>
+                </a:solidFill>
+              </a:rPr>
+              <a:t>Completed Tasks</a:t>
+            </a:r>
+          </a:p>
+        </p:txBody>
+      </p:sp>
+      <p:sp>
+        <p:nvSpPr>
+          <p:cNvPr id="3" name="Content Placeholder 2"/>
+          <p:cNvSpPr>
+            <a:spLocks noGrp="1"/>
+          </p:cNvSpPr>
+          <p:nvPr>
+            <p:ph idx="1"/>
+          </p:nvPr>
+        </p:nvSpPr>
+        <p:spPr>
+          <a:xfrm>
+            <a:off x="381000" y="1295400"/>
+            <a:ext cx="8305800" cy="5334000"/>
+          </a:xfrm>
+        </p:spPr>
+        <p:txBody>
+          <a:bodyPr>
+            <a:normAutofit/>
+          </a:bodyPr>
+          <a:lstStyle/>
+          <a:p>
+            <a:r>
+              <a:rPr lang="en-CA" sz="2200" dirty="0">
+                <a:solidFill>
+                  <a:schemeClr val="tx1"/>
+                </a:solidFill>
+              </a:rPr>
+              <a:t>Antenna defined for TRIG specifications</a:t>
+            </a:r>
+          </a:p>
+          <a:p>
+            <a:pPr lvl="1"/>
+            <a:r>
+              <a:rPr lang="en-CA" sz="2200" dirty="0">
+                <a:solidFill>
+                  <a:schemeClr val="tx1"/>
+                </a:solidFill>
+              </a:rPr>
+              <a:t>15 dB gain</a:t>
+            </a:r>
+          </a:p>
+          <a:p>
+            <a:pPr lvl="1"/>
+            <a:r>
+              <a:rPr lang="en-CA" sz="2200" dirty="0">
+                <a:solidFill>
+                  <a:schemeClr val="tx1"/>
+                </a:solidFill>
+              </a:rPr>
+              <a:t>Standard circular horn equations</a:t>
+            </a:r>
+          </a:p>
+          <a:p>
+            <a:r>
+              <a:rPr lang="en-CA" sz="2200" dirty="0">
+                <a:solidFill>
+                  <a:schemeClr val="tx1"/>
+                </a:solidFill>
+              </a:rPr>
+              <a:t>Cylindrical RCS functional</a:t>
+            </a:r>
+          </a:p>
+          <a:p>
+            <a:r>
+              <a:rPr lang="en-CA" sz="2200" dirty="0">
+                <a:solidFill>
+                  <a:schemeClr val="tx1"/>
+                </a:solidFill>
+              </a:rPr>
+              <a:t>Commodity permittivity defined</a:t>
+            </a:r>
+          </a:p>
+          <a:p>
+            <a:r>
+              <a:rPr lang="en-CA" sz="2200" dirty="0">
+                <a:solidFill>
+                  <a:schemeClr val="tx1"/>
+                </a:solidFill>
+              </a:rPr>
+              <a:t>Propagation in free space (2 way)</a:t>
+            </a:r>
+          </a:p>
+          <a:p>
+            <a:pPr lvl="2"/>
+            <a:endParaRPr lang="en-CA" sz="2200" dirty="0">
+              <a:solidFill>
+                <a:schemeClr val="tx1"/>
+              </a:solidFill>
+            </a:endParaRPr>
+          </a:p>
+          <a:p>
+            <a:pPr marL="457200" lvl="1" indent="0">
+              <a:buNone/>
+            </a:pPr>
+            <a:endParaRPr lang="en-CA" sz="2200" dirty="0">
+              <a:solidFill>
+                <a:schemeClr val="tx1"/>
+              </a:solidFill>
+            </a:endParaRPr>
+          </a:p>
+          <a:p>
+            <a:pPr marL="914400" lvl="1" indent="-457200"/>
+            <a:endParaRPr lang="en-CA" sz="2200" dirty="0">
+              <a:solidFill>
+                <a:schemeClr val="tx1"/>
+              </a:solidFill>
+            </a:endParaRPr>
+          </a:p>
+        </p:txBody>
+      </p:sp>
+      <p:sp>
+        <p:nvSpPr>
+          <p:cNvPr id="6" name="Slide Number Placeholder 5"/>
+          <p:cNvSpPr>
+            <a:spLocks noGrp="1"/>
+          </p:cNvSpPr>
+          <p:nvPr>
+            <p:ph type="sldNum" sz="quarter" idx="12"/>
+          </p:nvPr>
+        </p:nvSpPr>
+        <p:spPr/>
+        <p:txBody>
+          <a:bodyPr/>
+          <a:lstStyle/>
+          <a:p>
+            <a:fld id="{B6F15528-21DE-4FAA-801E-634DDDAF4B2B}" type="slidenum">
+              <a:rPr lang="en-US" smtClean="0"/>
+              <a:pPr/>
+              <a:t>12</a:t>
+            </a:fld>
+            <a:endParaRPr lang="en-US"/>
+          </a:p>
+        </p:txBody>
+      </p:sp>
+    </p:spTree>
+    <p:extLst>
+      <p:ext uri="{BB962C8B-B14F-4D97-AF65-F5344CB8AC3E}">
+        <p14:creationId xmlns:p14="http://schemas.microsoft.com/office/powerpoint/2010/main" val="3607443388"/>
       </p:ext>
     </p:extLst>
   </p:cSld>
@@ -5069,205 +4945,6 @@
             <p:ph type="title"/>
           </p:nvPr>
         </p:nvSpPr>
-        <p:spPr>
-          <a:xfrm>
-            <a:off x="228600" y="274638"/>
-            <a:ext cx="8458200" cy="868362"/>
-          </a:xfrm>
-        </p:spPr>
-        <p:txBody>
-          <a:bodyPr>
-            <a:normAutofit/>
-          </a:bodyPr>
-          <a:lstStyle/>
-          <a:p>
-            <a:pPr algn="ctr"/>
-            <a:r>
-              <a:rPr lang="en-CA" dirty="0">
-                <a:solidFill>
-                  <a:schemeClr val="tx1"/>
-                </a:solidFill>
-              </a:rPr>
-              <a:t>Completed Tasks</a:t>
-            </a:r>
-          </a:p>
-        </p:txBody>
-      </p:sp>
-      <p:sp>
-        <p:nvSpPr>
-          <p:cNvPr id="3" name="Content Placeholder 2"/>
-          <p:cNvSpPr>
-            <a:spLocks noGrp="1"/>
-          </p:cNvSpPr>
-          <p:nvPr>
-            <p:ph idx="1"/>
-          </p:nvPr>
-        </p:nvSpPr>
-        <p:spPr>
-          <a:xfrm>
-            <a:off x="381000" y="1295400"/>
-            <a:ext cx="8305800" cy="5334000"/>
-          </a:xfrm>
-        </p:spPr>
-        <p:txBody>
-          <a:bodyPr>
-            <a:normAutofit/>
-          </a:bodyPr>
-          <a:lstStyle/>
-          <a:p>
-            <a:r>
-              <a:rPr lang="en-CA" sz="2200" dirty="0">
-                <a:solidFill>
-                  <a:schemeClr val="tx1"/>
-                </a:solidFill>
-              </a:rPr>
-              <a:t>Antenna defined for TRIG specifications</a:t>
-            </a:r>
-          </a:p>
-          <a:p>
-            <a:pPr lvl="1"/>
-            <a:r>
-              <a:rPr lang="en-CA" sz="2200" dirty="0">
-                <a:solidFill>
-                  <a:schemeClr val="tx1"/>
-                </a:solidFill>
-              </a:rPr>
-              <a:t>15 dB gain</a:t>
-            </a:r>
-          </a:p>
-          <a:p>
-            <a:pPr lvl="1"/>
-            <a:r>
-              <a:rPr lang="en-CA" sz="2200" dirty="0">
-                <a:solidFill>
-                  <a:schemeClr val="tx1"/>
-                </a:solidFill>
-              </a:rPr>
-              <a:t>Standard circular horn equations</a:t>
-            </a:r>
-          </a:p>
-          <a:p>
-            <a:r>
-              <a:rPr lang="en-CA" sz="2200" dirty="0">
-                <a:solidFill>
-                  <a:schemeClr val="tx1"/>
-                </a:solidFill>
-              </a:rPr>
-              <a:t>Cylindrical RCS functional</a:t>
-            </a:r>
-          </a:p>
-          <a:p>
-            <a:r>
-              <a:rPr lang="en-CA" sz="2200" dirty="0">
-                <a:solidFill>
-                  <a:schemeClr val="tx1"/>
-                </a:solidFill>
-              </a:rPr>
-              <a:t>Commodity permittivity defined</a:t>
-            </a:r>
-          </a:p>
-          <a:p>
-            <a:r>
-              <a:rPr lang="en-CA" sz="2200" dirty="0">
-                <a:solidFill>
-                  <a:schemeClr val="tx1"/>
-                </a:solidFill>
-              </a:rPr>
-              <a:t>Propagation in free space (2 way)</a:t>
-            </a:r>
-          </a:p>
-          <a:p>
-            <a:pPr lvl="2"/>
-            <a:endParaRPr lang="en-CA" sz="2200" dirty="0">
-              <a:solidFill>
-                <a:schemeClr val="tx1"/>
-              </a:solidFill>
-            </a:endParaRPr>
-          </a:p>
-          <a:p>
-            <a:pPr marL="457200" lvl="1" indent="0">
-              <a:buNone/>
-            </a:pPr>
-            <a:endParaRPr lang="en-CA" sz="2200" dirty="0">
-              <a:solidFill>
-                <a:schemeClr val="tx1"/>
-              </a:solidFill>
-            </a:endParaRPr>
-          </a:p>
-          <a:p>
-            <a:pPr marL="914400" lvl="1" indent="-457200"/>
-            <a:endParaRPr lang="en-CA" sz="2200" dirty="0">
-              <a:solidFill>
-                <a:schemeClr val="tx1"/>
-              </a:solidFill>
-            </a:endParaRPr>
-          </a:p>
-        </p:txBody>
-      </p:sp>
-      <p:sp>
-        <p:nvSpPr>
-          <p:cNvPr id="6" name="Slide Number Placeholder 5"/>
-          <p:cNvSpPr>
-            <a:spLocks noGrp="1"/>
-          </p:cNvSpPr>
-          <p:nvPr>
-            <p:ph type="sldNum" sz="quarter" idx="12"/>
-          </p:nvPr>
-        </p:nvSpPr>
-        <p:spPr/>
-        <p:txBody>
-          <a:bodyPr/>
-          <a:lstStyle/>
-          <a:p>
-            <a:fld id="{B6F15528-21DE-4FAA-801E-634DDDAF4B2B}" type="slidenum">
-              <a:rPr lang="en-US" smtClean="0"/>
-              <a:pPr/>
-              <a:t>13</a:t>
-            </a:fld>
-            <a:endParaRPr lang="en-US"/>
-          </a:p>
-        </p:txBody>
-      </p:sp>
-    </p:spTree>
-    <p:extLst>
-      <p:ext uri="{BB962C8B-B14F-4D97-AF65-F5344CB8AC3E}">
-        <p14:creationId xmlns:p14="http://schemas.microsoft.com/office/powerpoint/2010/main" val="3607443388"/>
-      </p:ext>
-    </p:extLst>
-  </p:cSld>
-  <p:clrMapOvr>
-    <a:masterClrMapping/>
-  </p:clrMapOvr>
-</p:sld>
-</file>
-
-<file path=ppt/slides/slide14.xml><?xml version="1.0" encoding="utf-8"?>
-<p:sld xmlns:a="http://schemas.openxmlformats.org/drawingml/2006/main" xmlns:r="http://schemas.openxmlformats.org/officeDocument/2006/relationships" xmlns:p="http://schemas.openxmlformats.org/presentationml/2006/main">
-  <p:cSld>
-    <p:spTree>
-      <p:nvGrpSpPr>
-        <p:cNvPr id="1" name=""/>
-        <p:cNvGrpSpPr/>
-        <p:nvPr/>
-      </p:nvGrpSpPr>
-      <p:grpSpPr>
-        <a:xfrm>
-          <a:off x="0" y="0"/>
-          <a:ext cx="0" cy="0"/>
-          <a:chOff x="0" y="0"/>
-          <a:chExt cx="0" cy="0"/>
-        </a:xfrm>
-      </p:grpSpPr>
-      <p:sp>
-        <p:nvSpPr>
-          <p:cNvPr id="2" name="Title 1"/>
-          <p:cNvSpPr>
-            <a:spLocks noGrp="1"/>
-          </p:cNvSpPr>
-          <p:nvPr>
-            <p:ph type="title"/>
-          </p:nvPr>
-        </p:nvSpPr>
         <p:spPr/>
         <p:txBody>
           <a:bodyPr/>
@@ -5378,7 +5055,7 @@
             <a:fld id="{B6F15528-21DE-4FAA-801E-634DDDAF4B2B}" type="slidenum">
               <a:rPr lang="en-US" smtClean="0"/>
               <a:pPr/>
-              <a:t>14</a:t>
+              <a:t>13</a:t>
             </a:fld>
             <a:endParaRPr lang="en-US"/>
           </a:p>
@@ -5397,7 +5074,7 @@
 </p:sld>
 </file>
 
-<file path=ppt/slides/slide15.xml><?xml version="1.0" encoding="utf-8"?>
+<file path=ppt/slides/slide14.xml><?xml version="1.0" encoding="utf-8"?>
 <p:sld xmlns:a="http://schemas.openxmlformats.org/drawingml/2006/main" xmlns:r="http://schemas.openxmlformats.org/officeDocument/2006/relationships" xmlns:p="http://schemas.openxmlformats.org/presentationml/2006/main">
   <p:cSld>
     <p:spTree>
@@ -5612,7 +5289,7 @@
             <a:fld id="{B6F15528-21DE-4FAA-801E-634DDDAF4B2B}" type="slidenum">
               <a:rPr lang="en-US" smtClean="0"/>
               <a:pPr/>
-              <a:t>15</a:t>
+              <a:t>14</a:t>
             </a:fld>
             <a:endParaRPr lang="en-US"/>
           </a:p>
@@ -5631,7 +5308,7 @@
 </p:sld>
 </file>
 
-<file path=ppt/slides/slide16.xml><?xml version="1.0" encoding="utf-8"?>
+<file path=ppt/slides/slide15.xml><?xml version="1.0" encoding="utf-8"?>
 <p:sld xmlns:a="http://schemas.openxmlformats.org/drawingml/2006/main" xmlns:r="http://schemas.openxmlformats.org/officeDocument/2006/relationships" xmlns:p="http://schemas.openxmlformats.org/presentationml/2006/main">
   <p:cSld>
     <p:spTree>
@@ -5829,7 +5506,7 @@
             <a:fld id="{B6F15528-21DE-4FAA-801E-634DDDAF4B2B}" type="slidenum">
               <a:rPr lang="en-US" smtClean="0"/>
               <a:pPr/>
-              <a:t>16</a:t>
+              <a:t>15</a:t>
             </a:fld>
             <a:endParaRPr lang="en-US"/>
           </a:p>
@@ -5839,6 +5516,204 @@
     <p:extLst>
       <p:ext uri="{BB962C8B-B14F-4D97-AF65-F5344CB8AC3E}">
         <p14:creationId xmlns:p14="http://schemas.microsoft.com/office/powerpoint/2010/main" val="3068088066"/>
+      </p:ext>
+    </p:extLst>
+  </p:cSld>
+  <p:clrMapOvr>
+    <a:masterClrMapping/>
+  </p:clrMapOvr>
+</p:sld>
+</file>
+
+<file path=ppt/slides/slide16.xml><?xml version="1.0" encoding="utf-8"?>
+<p:sld xmlns:a="http://schemas.openxmlformats.org/drawingml/2006/main" xmlns:r="http://schemas.openxmlformats.org/officeDocument/2006/relationships" xmlns:p="http://schemas.openxmlformats.org/presentationml/2006/main">
+  <p:cSld>
+    <p:spTree>
+      <p:nvGrpSpPr>
+        <p:cNvPr id="1" name=""/>
+        <p:cNvGrpSpPr/>
+        <p:nvPr/>
+      </p:nvGrpSpPr>
+      <p:grpSpPr>
+        <a:xfrm>
+          <a:off x="0" y="0"/>
+          <a:ext cx="0" cy="0"/>
+          <a:chOff x="0" y="0"/>
+          <a:chExt cx="0" cy="0"/>
+        </a:xfrm>
+      </p:grpSpPr>
+      <p:sp>
+        <p:nvSpPr>
+          <p:cNvPr id="2" name="Title 1"/>
+          <p:cNvSpPr>
+            <a:spLocks noGrp="1"/>
+          </p:cNvSpPr>
+          <p:nvPr>
+            <p:ph type="title"/>
+          </p:nvPr>
+        </p:nvSpPr>
+        <p:spPr>
+          <a:xfrm>
+            <a:off x="228600" y="274638"/>
+            <a:ext cx="8458200" cy="868362"/>
+          </a:xfrm>
+        </p:spPr>
+        <p:txBody>
+          <a:bodyPr>
+            <a:normAutofit/>
+          </a:bodyPr>
+          <a:lstStyle/>
+          <a:p>
+            <a:pPr algn="ctr"/>
+            <a:r>
+              <a:rPr lang="en-CA" dirty="0">
+                <a:solidFill>
+                  <a:schemeClr val="tx1"/>
+                </a:solidFill>
+              </a:rPr>
+              <a:t>SFCW Output</a:t>
+            </a:r>
+          </a:p>
+        </p:txBody>
+      </p:sp>
+      <p:sp>
+        <p:nvSpPr>
+          <p:cNvPr id="3" name="Content Placeholder 2"/>
+          <p:cNvSpPr>
+            <a:spLocks noGrp="1"/>
+          </p:cNvSpPr>
+          <p:nvPr>
+            <p:ph idx="1"/>
+          </p:nvPr>
+        </p:nvSpPr>
+        <p:spPr>
+          <a:xfrm>
+            <a:off x="381000" y="1143000"/>
+            <a:ext cx="8305800" cy="5486400"/>
+          </a:xfrm>
+        </p:spPr>
+        <p:txBody>
+          <a:bodyPr/>
+          <a:lstStyle/>
+          <a:p>
+            <a:pPr lvl="1"/>
+            <a:r>
+              <a:rPr lang="en-CA" sz="2400" dirty="0">
+                <a:solidFill>
+                  <a:schemeClr val="tx1"/>
+                </a:solidFill>
+              </a:rPr>
+              <a:t>IFFT Plot</a:t>
+            </a:r>
+          </a:p>
+          <a:p>
+            <a:pPr lvl="2"/>
+            <a:r>
+              <a:rPr lang="en-CA" sz="2200" dirty="0">
+                <a:solidFill>
+                  <a:schemeClr val="tx1"/>
+                </a:solidFill>
+              </a:rPr>
+              <a:t>Circulator Coupling</a:t>
+            </a:r>
+          </a:p>
+          <a:p>
+            <a:pPr lvl="2"/>
+            <a:r>
+              <a:rPr lang="en-CA" sz="2200" dirty="0">
+                <a:solidFill>
+                  <a:schemeClr val="tx1"/>
+                </a:solidFill>
+              </a:rPr>
+              <a:t>Return Power</a:t>
+            </a:r>
+          </a:p>
+          <a:p>
+            <a:pPr lvl="2"/>
+            <a:r>
+              <a:rPr lang="en-CA" sz="2200" dirty="0">
+                <a:solidFill>
+                  <a:schemeClr val="tx1"/>
+                </a:solidFill>
+              </a:rPr>
+              <a:t>Noise floor</a:t>
+            </a:r>
+          </a:p>
+          <a:p>
+            <a:pPr lvl="2"/>
+            <a:r>
+              <a:rPr lang="en-CA" sz="2200" dirty="0">
+                <a:solidFill>
+                  <a:schemeClr val="tx1"/>
+                </a:solidFill>
+              </a:rPr>
+              <a:t>Object Distance</a:t>
+            </a:r>
+          </a:p>
+          <a:p>
+            <a:pPr lvl="2"/>
+            <a:endParaRPr lang="en-CA" sz="2200" dirty="0">
+              <a:solidFill>
+                <a:schemeClr val="tx1"/>
+              </a:solidFill>
+            </a:endParaRPr>
+          </a:p>
+          <a:p>
+            <a:pPr lvl="2"/>
+            <a:endParaRPr lang="en-CA" dirty="0">
+              <a:solidFill>
+                <a:schemeClr val="tx1"/>
+              </a:solidFill>
+            </a:endParaRPr>
+          </a:p>
+          <a:p>
+            <a:pPr marL="457200" lvl="1" indent="0">
+              <a:buNone/>
+            </a:pPr>
+            <a:endParaRPr lang="en-CA" dirty="0">
+              <a:solidFill>
+                <a:schemeClr val="tx1"/>
+              </a:solidFill>
+            </a:endParaRPr>
+          </a:p>
+          <a:p>
+            <a:pPr marL="914400" lvl="1" indent="-457200"/>
+            <a:endParaRPr lang="en-CA" dirty="0">
+              <a:solidFill>
+                <a:schemeClr val="tx1"/>
+              </a:solidFill>
+            </a:endParaRPr>
+          </a:p>
+        </p:txBody>
+      </p:sp>
+      <p:sp>
+        <p:nvSpPr>
+          <p:cNvPr id="6" name="Slide Number Placeholder 5"/>
+          <p:cNvSpPr>
+            <a:spLocks noGrp="1"/>
+          </p:cNvSpPr>
+          <p:nvPr>
+            <p:ph type="sldNum" sz="quarter" idx="12"/>
+          </p:nvPr>
+        </p:nvSpPr>
+        <p:spPr/>
+        <p:txBody>
+          <a:bodyPr/>
+          <a:lstStyle/>
+          <a:p>
+            <a:fld id="{B6F15528-21DE-4FAA-801E-634DDDAF4B2B}" type="slidenum">
+              <a:rPr lang="en-US" smtClean="0"/>
+              <a:pPr/>
+              <a:t>16</a:t>
+            </a:fld>
+            <a:endParaRPr lang="en-US"/>
+          </a:p>
+        </p:txBody>
+      </p:sp>
+    </p:spTree>
+    <p:extLst>
+      <p:ext uri="{BB962C8B-B14F-4D97-AF65-F5344CB8AC3E}">
+        <p14:creationId xmlns:p14="http://schemas.microsoft.com/office/powerpoint/2010/main" val="3014543966"/>
       </p:ext>
     </p:extLst>
   </p:cSld>
@@ -5899,119 +5774,33 @@
           </a:p>
         </p:txBody>
       </p:sp>
-      <p:sp>
-        <p:nvSpPr>
-          <p:cNvPr id="3" name="Content Placeholder 2"/>
-          <p:cNvSpPr>
-            <a:spLocks noGrp="1"/>
-          </p:cNvSpPr>
-          <p:nvPr>
-            <p:ph idx="1"/>
-          </p:nvPr>
-        </p:nvSpPr>
+      <p:pic>
+        <p:nvPicPr>
+          <p:cNvPr id="7" name="Picture 6"/>
+          <p:cNvPicPr>
+            <a:picLocks noChangeAspect="1"/>
+          </p:cNvPicPr>
+          <p:nvPr/>
+        </p:nvPicPr>
+        <p:blipFill>
+          <a:blip r:embed="rId2"/>
+          <a:stretch>
+            <a:fillRect/>
+          </a:stretch>
+        </p:blipFill>
         <p:spPr>
           <a:xfrm>
-            <a:off x="381000" y="1143000"/>
-            <a:ext cx="8305800" cy="5486400"/>
+            <a:off x="228600" y="1295400"/>
+            <a:ext cx="8716686" cy="4807685"/>
           </a:xfrm>
+          <a:prstGeom prst="rect">
+            <a:avLst/>
+          </a:prstGeom>
         </p:spPr>
-        <p:txBody>
-          <a:bodyPr/>
-          <a:lstStyle/>
-          <a:p>
-            <a:pPr lvl="1"/>
-            <a:r>
-              <a:rPr lang="en-CA" sz="2400" dirty="0">
-                <a:solidFill>
-                  <a:schemeClr val="tx1"/>
-                </a:solidFill>
-              </a:rPr>
-              <a:t>IFFT Plot</a:t>
-            </a:r>
-          </a:p>
-          <a:p>
-            <a:pPr lvl="2"/>
-            <a:r>
-              <a:rPr lang="en-CA" sz="2200" dirty="0">
-                <a:solidFill>
-                  <a:schemeClr val="tx1"/>
-                </a:solidFill>
-              </a:rPr>
-              <a:t>Circulator Coupling</a:t>
-            </a:r>
-          </a:p>
-          <a:p>
-            <a:pPr lvl="2"/>
-            <a:r>
-              <a:rPr lang="en-CA" sz="2200" dirty="0">
-                <a:solidFill>
-                  <a:schemeClr val="tx1"/>
-                </a:solidFill>
-              </a:rPr>
-              <a:t>Return Power</a:t>
-            </a:r>
-          </a:p>
-          <a:p>
-            <a:pPr lvl="2"/>
-            <a:r>
-              <a:rPr lang="en-CA" sz="2200" dirty="0">
-                <a:solidFill>
-                  <a:schemeClr val="tx1"/>
-                </a:solidFill>
-              </a:rPr>
-              <a:t>Noise floor</a:t>
-            </a:r>
-          </a:p>
-          <a:p>
-            <a:pPr lvl="2"/>
-            <a:r>
-              <a:rPr lang="en-CA" sz="2200" dirty="0">
-                <a:solidFill>
-                  <a:schemeClr val="tx1"/>
-                </a:solidFill>
-              </a:rPr>
-              <a:t>Object Distance</a:t>
-            </a:r>
-          </a:p>
-          <a:p>
-            <a:pPr lvl="2"/>
-            <a:endParaRPr lang="en-CA" sz="2200" dirty="0">
-              <a:solidFill>
-                <a:schemeClr val="tx1"/>
-              </a:solidFill>
-            </a:endParaRPr>
-          </a:p>
-          <a:p>
-            <a:pPr lvl="2"/>
-            <a:endParaRPr lang="en-CA" dirty="0">
-              <a:solidFill>
-                <a:schemeClr val="tx1"/>
-              </a:solidFill>
-            </a:endParaRPr>
-          </a:p>
-          <a:p>
-            <a:pPr marL="457200" lvl="1" indent="0">
-              <a:buNone/>
-            </a:pPr>
-            <a:endParaRPr lang="en-CA" dirty="0">
-              <a:solidFill>
-                <a:schemeClr val="tx1"/>
-              </a:solidFill>
-            </a:endParaRPr>
-          </a:p>
-          <a:p>
-            <a:pPr marL="914400" lvl="1" indent="-457200"/>
-            <a:endParaRPr lang="en-CA" dirty="0">
-              <a:solidFill>
-                <a:schemeClr val="tx1"/>
-              </a:solidFill>
-            </a:endParaRPr>
-          </a:p>
-        </p:txBody>
-      </p:sp>
-      <p:sp>
-        <p:nvSpPr>
-          <p:cNvPr id="6" name="Slide Number Placeholder 5"/>
+      </p:pic>
+      <p:sp>
+        <p:nvSpPr>
+          <p:cNvPr id="5" name="Slide Number Placeholder 4"/>
           <p:cNvSpPr>
             <a:spLocks noGrp="1"/>
           </p:cNvSpPr>
@@ -6036,7 +5825,7 @@
     </p:spTree>
     <p:extLst>
       <p:ext uri="{BB962C8B-B14F-4D97-AF65-F5344CB8AC3E}">
-        <p14:creationId xmlns:p14="http://schemas.microsoft.com/office/powerpoint/2010/main" val="3014543966"/>
+        <p14:creationId xmlns:p14="http://schemas.microsoft.com/office/powerpoint/2010/main" val="1076715191"/>
       </p:ext>
     </p:extLst>
   </p:cSld>
@@ -6099,7 +5888,7 @@
       </p:sp>
       <p:pic>
         <p:nvPicPr>
-          <p:cNvPr id="7" name="Picture 6"/>
+          <p:cNvPr id="3" name="Picture 2"/>
           <p:cNvPicPr>
             <a:picLocks noChangeAspect="1"/>
           </p:cNvPicPr>
@@ -6113,8 +5902,8 @@
         </p:blipFill>
         <p:spPr>
           <a:xfrm>
-            <a:off x="228600" y="1295400"/>
-            <a:ext cx="8716686" cy="4807685"/>
+            <a:off x="228600" y="1143001"/>
+            <a:ext cx="8610423" cy="4495800"/>
           </a:xfrm>
           <a:prstGeom prst="rect">
             <a:avLst/>
@@ -6123,7 +5912,7 @@
       </p:pic>
       <p:sp>
         <p:nvSpPr>
-          <p:cNvPr id="5" name="Slide Number Placeholder 4"/>
+          <p:cNvPr id="6" name="Slide Number Placeholder 5"/>
           <p:cNvSpPr>
             <a:spLocks noGrp="1"/>
           </p:cNvSpPr>
@@ -6148,7 +5937,7 @@
     </p:spTree>
     <p:extLst>
       <p:ext uri="{BB962C8B-B14F-4D97-AF65-F5344CB8AC3E}">
-        <p14:creationId xmlns:p14="http://schemas.microsoft.com/office/powerpoint/2010/main" val="1076715191"/>
+        <p14:creationId xmlns:p14="http://schemas.microsoft.com/office/powerpoint/2010/main" val="1861689363"/>
       </p:ext>
     </p:extLst>
   </p:cSld>
@@ -6204,14 +5993,61 @@
                   <a:schemeClr val="tx1"/>
                 </a:solidFill>
               </a:rPr>
-              <a:t>SFCW Output</a:t>
-            </a:r>
+              <a:t>FMCW Code Flow Diagram</a:t>
+            </a:r>
+          </a:p>
+        </p:txBody>
+      </p:sp>
+      <p:sp>
+        <p:nvSpPr>
+          <p:cNvPr id="3" name="Content Placeholder 2"/>
+          <p:cNvSpPr>
+            <a:spLocks noGrp="1"/>
+          </p:cNvSpPr>
+          <p:nvPr>
+            <p:ph idx="1"/>
+          </p:nvPr>
+        </p:nvSpPr>
+        <p:spPr>
+          <a:xfrm>
+            <a:off x="381000" y="1295400"/>
+            <a:ext cx="8305800" cy="5334000"/>
+          </a:xfrm>
+        </p:spPr>
+        <p:txBody>
+          <a:bodyPr/>
+          <a:lstStyle/>
+          <a:p>
+            <a:pPr lvl="2"/>
+            <a:endParaRPr lang="en-CA" dirty="0">
+              <a:solidFill>
+                <a:schemeClr val="tx1"/>
+              </a:solidFill>
+            </a:endParaRPr>
+          </a:p>
+          <a:p>
+            <a:pPr marL="457200" lvl="1" indent="0">
+              <a:buNone/>
+            </a:pPr>
+            <a:endParaRPr lang="en-CA" dirty="0">
+              <a:solidFill>
+                <a:schemeClr val="tx1"/>
+              </a:solidFill>
+            </a:endParaRPr>
+          </a:p>
+          <a:p>
+            <a:pPr marL="914400" lvl="1" indent="-457200"/>
+            <a:endParaRPr lang="en-CA" dirty="0">
+              <a:solidFill>
+                <a:schemeClr val="tx1"/>
+              </a:solidFill>
+            </a:endParaRPr>
           </a:p>
         </p:txBody>
       </p:sp>
       <p:pic>
         <p:nvPicPr>
-          <p:cNvPr id="3" name="Picture 2"/>
+          <p:cNvPr id="5" name="Picture 4"/>
           <p:cNvPicPr>
             <a:picLocks noChangeAspect="1"/>
           </p:cNvPicPr>
@@ -6225,8 +6061,8 @@
         </p:blipFill>
         <p:spPr>
           <a:xfrm>
-            <a:off x="228600" y="1143001"/>
-            <a:ext cx="8610423" cy="4495800"/>
+            <a:off x="1524000" y="1075776"/>
+            <a:ext cx="6229350" cy="5553624"/>
           </a:xfrm>
           <a:prstGeom prst="rect">
             <a:avLst/>
@@ -6235,7 +6071,7 @@
       </p:pic>
       <p:sp>
         <p:nvSpPr>
-          <p:cNvPr id="6" name="Slide Number Placeholder 5"/>
+          <p:cNvPr id="7" name="Slide Number Placeholder 6"/>
           <p:cNvSpPr>
             <a:spLocks noGrp="1"/>
           </p:cNvSpPr>
@@ -6260,7 +6096,7 @@
     </p:spTree>
     <p:extLst>
       <p:ext uri="{BB962C8B-B14F-4D97-AF65-F5344CB8AC3E}">
-        <p14:creationId xmlns:p14="http://schemas.microsoft.com/office/powerpoint/2010/main" val="1861689363"/>
+        <p14:creationId xmlns:p14="http://schemas.microsoft.com/office/powerpoint/2010/main" val="1258487374"/>
       </p:ext>
     </p:extLst>
   </p:cSld>
@@ -6489,165 +6325,6 @@
                   <a:schemeClr val="tx1"/>
                 </a:solidFill>
               </a:rPr>
-              <a:t>FMCW Code Flow Diagram</a:t>
-            </a:r>
-          </a:p>
-        </p:txBody>
-      </p:sp>
-      <p:sp>
-        <p:nvSpPr>
-          <p:cNvPr id="3" name="Content Placeholder 2"/>
-          <p:cNvSpPr>
-            <a:spLocks noGrp="1"/>
-          </p:cNvSpPr>
-          <p:nvPr>
-            <p:ph idx="1"/>
-          </p:nvPr>
-        </p:nvSpPr>
-        <p:spPr>
-          <a:xfrm>
-            <a:off x="381000" y="1295400"/>
-            <a:ext cx="8305800" cy="5334000"/>
-          </a:xfrm>
-        </p:spPr>
-        <p:txBody>
-          <a:bodyPr/>
-          <a:lstStyle/>
-          <a:p>
-            <a:pPr lvl="2"/>
-            <a:endParaRPr lang="en-CA" dirty="0">
-              <a:solidFill>
-                <a:schemeClr val="tx1"/>
-              </a:solidFill>
-            </a:endParaRPr>
-          </a:p>
-          <a:p>
-            <a:pPr marL="457200" lvl="1" indent="0">
-              <a:buNone/>
-            </a:pPr>
-            <a:endParaRPr lang="en-CA" dirty="0">
-              <a:solidFill>
-                <a:schemeClr val="tx1"/>
-              </a:solidFill>
-            </a:endParaRPr>
-          </a:p>
-          <a:p>
-            <a:pPr marL="914400" lvl="1" indent="-457200"/>
-            <a:endParaRPr lang="en-CA" dirty="0">
-              <a:solidFill>
-                <a:schemeClr val="tx1"/>
-              </a:solidFill>
-            </a:endParaRPr>
-          </a:p>
-        </p:txBody>
-      </p:sp>
-      <p:pic>
-        <p:nvPicPr>
-          <p:cNvPr id="5" name="Picture 4"/>
-          <p:cNvPicPr>
-            <a:picLocks noChangeAspect="1"/>
-          </p:cNvPicPr>
-          <p:nvPr/>
-        </p:nvPicPr>
-        <p:blipFill>
-          <a:blip r:embed="rId2"/>
-          <a:stretch>
-            <a:fillRect/>
-          </a:stretch>
-        </p:blipFill>
-        <p:spPr>
-          <a:xfrm>
-            <a:off x="1524000" y="1075776"/>
-            <a:ext cx="6229350" cy="5553624"/>
-          </a:xfrm>
-          <a:prstGeom prst="rect">
-            <a:avLst/>
-          </a:prstGeom>
-        </p:spPr>
-      </p:pic>
-      <p:sp>
-        <p:nvSpPr>
-          <p:cNvPr id="7" name="Slide Number Placeholder 6"/>
-          <p:cNvSpPr>
-            <a:spLocks noGrp="1"/>
-          </p:cNvSpPr>
-          <p:nvPr>
-            <p:ph type="sldNum" sz="quarter" idx="12"/>
-          </p:nvPr>
-        </p:nvSpPr>
-        <p:spPr/>
-        <p:txBody>
-          <a:bodyPr/>
-          <a:lstStyle/>
-          <a:p>
-            <a:fld id="{B6F15528-21DE-4FAA-801E-634DDDAF4B2B}" type="slidenum">
-              <a:rPr lang="en-US" smtClean="0"/>
-              <a:pPr/>
-              <a:t>20</a:t>
-            </a:fld>
-            <a:endParaRPr lang="en-US"/>
-          </a:p>
-        </p:txBody>
-      </p:sp>
-    </p:spTree>
-    <p:extLst>
-      <p:ext uri="{BB962C8B-B14F-4D97-AF65-F5344CB8AC3E}">
-        <p14:creationId xmlns:p14="http://schemas.microsoft.com/office/powerpoint/2010/main" val="1258487374"/>
-      </p:ext>
-    </p:extLst>
-  </p:cSld>
-  <p:clrMapOvr>
-    <a:masterClrMapping/>
-  </p:clrMapOvr>
-</p:sld>
-</file>
-
-<file path=ppt/slides/slide21.xml><?xml version="1.0" encoding="utf-8"?>
-<p:sld xmlns:a="http://schemas.openxmlformats.org/drawingml/2006/main" xmlns:r="http://schemas.openxmlformats.org/officeDocument/2006/relationships" xmlns:p="http://schemas.openxmlformats.org/presentationml/2006/main">
-  <p:cSld>
-    <p:spTree>
-      <p:nvGrpSpPr>
-        <p:cNvPr id="1" name=""/>
-        <p:cNvGrpSpPr/>
-        <p:nvPr/>
-      </p:nvGrpSpPr>
-      <p:grpSpPr>
-        <a:xfrm>
-          <a:off x="0" y="0"/>
-          <a:ext cx="0" cy="0"/>
-          <a:chOff x="0" y="0"/>
-          <a:chExt cx="0" cy="0"/>
-        </a:xfrm>
-      </p:grpSpPr>
-      <p:sp>
-        <p:nvSpPr>
-          <p:cNvPr id="2" name="Title 1"/>
-          <p:cNvSpPr>
-            <a:spLocks noGrp="1"/>
-          </p:cNvSpPr>
-          <p:nvPr>
-            <p:ph type="title"/>
-          </p:nvPr>
-        </p:nvSpPr>
-        <p:spPr>
-          <a:xfrm>
-            <a:off x="228600" y="274638"/>
-            <a:ext cx="8458200" cy="868362"/>
-          </a:xfrm>
-        </p:spPr>
-        <p:txBody>
-          <a:bodyPr>
-            <a:normAutofit/>
-          </a:bodyPr>
-          <a:lstStyle/>
-          <a:p>
-            <a:pPr algn="ctr"/>
-            <a:r>
-              <a:rPr lang="en-CA" dirty="0">
-                <a:solidFill>
-                  <a:schemeClr val="tx1"/>
-                </a:solidFill>
-              </a:rPr>
               <a:t>FMCW Output</a:t>
             </a:r>
           </a:p>
@@ -6800,7 +6477,7 @@
             <a:fld id="{B6F15528-21DE-4FAA-801E-634DDDAF4B2B}" type="slidenum">
               <a:rPr lang="en-US" smtClean="0"/>
               <a:pPr/>
-              <a:t>21</a:t>
+              <a:t>20</a:t>
             </a:fld>
             <a:endParaRPr lang="en-US"/>
           </a:p>
@@ -6810,6 +6487,118 @@
     <p:extLst>
       <p:ext uri="{BB962C8B-B14F-4D97-AF65-F5344CB8AC3E}">
         <p14:creationId xmlns:p14="http://schemas.microsoft.com/office/powerpoint/2010/main" val="2091473047"/>
+      </p:ext>
+    </p:extLst>
+  </p:cSld>
+  <p:clrMapOvr>
+    <a:masterClrMapping/>
+  </p:clrMapOvr>
+</p:sld>
+</file>
+
+<file path=ppt/slides/slide21.xml><?xml version="1.0" encoding="utf-8"?>
+<p:sld xmlns:a="http://schemas.openxmlformats.org/drawingml/2006/main" xmlns:r="http://schemas.openxmlformats.org/officeDocument/2006/relationships" xmlns:p="http://schemas.openxmlformats.org/presentationml/2006/main">
+  <p:cSld>
+    <p:spTree>
+      <p:nvGrpSpPr>
+        <p:cNvPr id="1" name=""/>
+        <p:cNvGrpSpPr/>
+        <p:nvPr/>
+      </p:nvGrpSpPr>
+      <p:grpSpPr>
+        <a:xfrm>
+          <a:off x="0" y="0"/>
+          <a:ext cx="0" cy="0"/>
+          <a:chOff x="0" y="0"/>
+          <a:chExt cx="0" cy="0"/>
+        </a:xfrm>
+      </p:grpSpPr>
+      <p:sp>
+        <p:nvSpPr>
+          <p:cNvPr id="2" name="Title 1"/>
+          <p:cNvSpPr>
+            <a:spLocks noGrp="1"/>
+          </p:cNvSpPr>
+          <p:nvPr>
+            <p:ph type="title"/>
+          </p:nvPr>
+        </p:nvSpPr>
+        <p:spPr>
+          <a:xfrm>
+            <a:off x="228600" y="274638"/>
+            <a:ext cx="8458200" cy="868362"/>
+          </a:xfrm>
+        </p:spPr>
+        <p:txBody>
+          <a:bodyPr>
+            <a:normAutofit/>
+          </a:bodyPr>
+          <a:lstStyle/>
+          <a:p>
+            <a:pPr algn="ctr"/>
+            <a:r>
+              <a:rPr lang="en-CA" dirty="0">
+                <a:solidFill>
+                  <a:schemeClr val="tx1"/>
+                </a:solidFill>
+              </a:rPr>
+              <a:t>FMCW Decimated Output</a:t>
+            </a:r>
+          </a:p>
+        </p:txBody>
+      </p:sp>
+      <p:pic>
+        <p:nvPicPr>
+          <p:cNvPr id="5" name="Picture 4"/>
+          <p:cNvPicPr>
+            <a:picLocks noChangeAspect="1"/>
+          </p:cNvPicPr>
+          <p:nvPr/>
+        </p:nvPicPr>
+        <p:blipFill>
+          <a:blip r:embed="rId3"/>
+          <a:stretch>
+            <a:fillRect/>
+          </a:stretch>
+        </p:blipFill>
+        <p:spPr>
+          <a:xfrm>
+            <a:off x="209550" y="1295400"/>
+            <a:ext cx="8539961" cy="4724400"/>
+          </a:xfrm>
+          <a:prstGeom prst="rect">
+            <a:avLst/>
+          </a:prstGeom>
+        </p:spPr>
+      </p:pic>
+      <p:sp>
+        <p:nvSpPr>
+          <p:cNvPr id="6" name="Slide Number Placeholder 5"/>
+          <p:cNvSpPr>
+            <a:spLocks noGrp="1"/>
+          </p:cNvSpPr>
+          <p:nvPr>
+            <p:ph type="sldNum" sz="quarter" idx="12"/>
+          </p:nvPr>
+        </p:nvSpPr>
+        <p:spPr/>
+        <p:txBody>
+          <a:bodyPr/>
+          <a:lstStyle/>
+          <a:p>
+            <a:fld id="{B6F15528-21DE-4FAA-801E-634DDDAF4B2B}" type="slidenum">
+              <a:rPr lang="en-US" smtClean="0"/>
+              <a:pPr/>
+              <a:t>21</a:t>
+            </a:fld>
+            <a:endParaRPr lang="en-US"/>
+          </a:p>
+        </p:txBody>
+      </p:sp>
+    </p:spTree>
+    <p:extLst>
+      <p:ext uri="{BB962C8B-B14F-4D97-AF65-F5344CB8AC3E}">
+        <p14:creationId xmlns:p14="http://schemas.microsoft.com/office/powerpoint/2010/main" val="934031701"/>
       </p:ext>
     </p:extLst>
   </p:cSld>
@@ -6865,14 +6654,14 @@
                   <a:schemeClr val="tx1"/>
                 </a:solidFill>
               </a:rPr>
-              <a:t>FMCW Decimated Output</a:t>
+              <a:t>FMCW Output</a:t>
             </a:r>
           </a:p>
         </p:txBody>
       </p:sp>
       <p:pic>
         <p:nvPicPr>
-          <p:cNvPr id="5" name="Picture 4"/>
+          <p:cNvPr id="4" name="Picture 3"/>
           <p:cNvPicPr>
             <a:picLocks noChangeAspect="1"/>
           </p:cNvPicPr>
@@ -6886,8 +6675,8 @@
         </p:blipFill>
         <p:spPr>
           <a:xfrm>
-            <a:off x="209550" y="1295400"/>
-            <a:ext cx="8539961" cy="4724400"/>
+            <a:off x="228600" y="1143000"/>
+            <a:ext cx="8699849" cy="4795837"/>
           </a:xfrm>
           <a:prstGeom prst="rect">
             <a:avLst/>
@@ -6921,7 +6710,7 @@
     </p:spTree>
     <p:extLst>
       <p:ext uri="{BB962C8B-B14F-4D97-AF65-F5344CB8AC3E}">
-        <p14:creationId xmlns:p14="http://schemas.microsoft.com/office/powerpoint/2010/main" val="934031701"/>
+        <p14:creationId xmlns:p14="http://schemas.microsoft.com/office/powerpoint/2010/main" val="1213531253"/>
       </p:ext>
     </p:extLst>
   </p:cSld>
@@ -6950,118 +6739,6 @@
       </p:grpSpPr>
       <p:sp>
         <p:nvSpPr>
-          <p:cNvPr id="2" name="Title 1"/>
-          <p:cNvSpPr>
-            <a:spLocks noGrp="1"/>
-          </p:cNvSpPr>
-          <p:nvPr>
-            <p:ph type="title"/>
-          </p:nvPr>
-        </p:nvSpPr>
-        <p:spPr>
-          <a:xfrm>
-            <a:off x="228600" y="274638"/>
-            <a:ext cx="8458200" cy="868362"/>
-          </a:xfrm>
-        </p:spPr>
-        <p:txBody>
-          <a:bodyPr>
-            <a:normAutofit/>
-          </a:bodyPr>
-          <a:lstStyle/>
-          <a:p>
-            <a:pPr algn="ctr"/>
-            <a:r>
-              <a:rPr lang="en-CA" dirty="0">
-                <a:solidFill>
-                  <a:schemeClr val="tx1"/>
-                </a:solidFill>
-              </a:rPr>
-              <a:t>FMCW Output</a:t>
-            </a:r>
-          </a:p>
-        </p:txBody>
-      </p:sp>
-      <p:pic>
-        <p:nvPicPr>
-          <p:cNvPr id="4" name="Picture 3"/>
-          <p:cNvPicPr>
-            <a:picLocks noChangeAspect="1"/>
-          </p:cNvPicPr>
-          <p:nvPr/>
-        </p:nvPicPr>
-        <p:blipFill>
-          <a:blip r:embed="rId3"/>
-          <a:stretch>
-            <a:fillRect/>
-          </a:stretch>
-        </p:blipFill>
-        <p:spPr>
-          <a:xfrm>
-            <a:off x="228600" y="1143000"/>
-            <a:ext cx="8699849" cy="4795837"/>
-          </a:xfrm>
-          <a:prstGeom prst="rect">
-            <a:avLst/>
-          </a:prstGeom>
-        </p:spPr>
-      </p:pic>
-      <p:sp>
-        <p:nvSpPr>
-          <p:cNvPr id="6" name="Slide Number Placeholder 5"/>
-          <p:cNvSpPr>
-            <a:spLocks noGrp="1"/>
-          </p:cNvSpPr>
-          <p:nvPr>
-            <p:ph type="sldNum" sz="quarter" idx="12"/>
-          </p:nvPr>
-        </p:nvSpPr>
-        <p:spPr/>
-        <p:txBody>
-          <a:bodyPr/>
-          <a:lstStyle/>
-          <a:p>
-            <a:fld id="{B6F15528-21DE-4FAA-801E-634DDDAF4B2B}" type="slidenum">
-              <a:rPr lang="en-US" smtClean="0"/>
-              <a:pPr/>
-              <a:t>23</a:t>
-            </a:fld>
-            <a:endParaRPr lang="en-US"/>
-          </a:p>
-        </p:txBody>
-      </p:sp>
-    </p:spTree>
-    <p:extLst>
-      <p:ext uri="{BB962C8B-B14F-4D97-AF65-F5344CB8AC3E}">
-        <p14:creationId xmlns:p14="http://schemas.microsoft.com/office/powerpoint/2010/main" val="1213531253"/>
-      </p:ext>
-    </p:extLst>
-  </p:cSld>
-  <p:clrMapOvr>
-    <a:masterClrMapping/>
-  </p:clrMapOvr>
-</p:sld>
-</file>
-
-<file path=ppt/slides/slide24.xml><?xml version="1.0" encoding="utf-8"?>
-<p:sld xmlns:a="http://schemas.openxmlformats.org/drawingml/2006/main" xmlns:r="http://schemas.openxmlformats.org/officeDocument/2006/relationships" xmlns:p="http://schemas.openxmlformats.org/presentationml/2006/main">
-  <p:cSld>
-    <p:spTree>
-      <p:nvGrpSpPr>
-        <p:cNvPr id="1" name=""/>
-        <p:cNvGrpSpPr/>
-        <p:nvPr/>
-      </p:nvGrpSpPr>
-      <p:grpSpPr>
-        <a:xfrm>
-          <a:off x="0" y="0"/>
-          <a:ext cx="0" cy="0"/>
-          <a:chOff x="0" y="0"/>
-          <a:chExt cx="0" cy="0"/>
-        </a:xfrm>
-      </p:grpSpPr>
-      <p:sp>
-        <p:nvSpPr>
           <p:cNvPr id="4" name="Title 3"/>
           <p:cNvSpPr>
             <a:spLocks noGrp="1"/>
@@ -7107,7 +6784,7 @@
             <a:fld id="{B6F15528-21DE-4FAA-801E-634DDDAF4B2B}" type="slidenum">
               <a:rPr lang="en-US" smtClean="0"/>
               <a:pPr/>
-              <a:t>24</a:t>
+              <a:t>23</a:t>
             </a:fld>
             <a:endParaRPr lang="en-US" dirty="0"/>
           </a:p>
@@ -7126,7 +6803,7 @@
 </p:sld>
 </file>
 
-<file path=ppt/slides/slide25.xml><?xml version="1.0" encoding="utf-8"?>
+<file path=ppt/slides/slide24.xml><?xml version="1.0" encoding="utf-8"?>
 <p:sld xmlns:a="http://schemas.openxmlformats.org/drawingml/2006/main" xmlns:r="http://schemas.openxmlformats.org/officeDocument/2006/relationships" xmlns:p="http://schemas.openxmlformats.org/presentationml/2006/main">
   <p:cSld>
     <p:spTree>
@@ -7339,7 +7016,7 @@
             <a:fld id="{B6F15528-21DE-4FAA-801E-634DDDAF4B2B}" type="slidenum">
               <a:rPr lang="en-US" smtClean="0"/>
               <a:pPr/>
-              <a:t>25</a:t>
+              <a:t>24</a:t>
             </a:fld>
             <a:endParaRPr lang="en-US"/>
           </a:p>
@@ -7358,7 +7035,7 @@
 </p:sld>
 </file>
 
-<file path=ppt/slides/slide26.xml><?xml version="1.0" encoding="utf-8"?>
+<file path=ppt/slides/slide25.xml><?xml version="1.0" encoding="utf-8"?>
 <p:sld xmlns:a="http://schemas.openxmlformats.org/drawingml/2006/main" xmlns:r="http://schemas.openxmlformats.org/officeDocument/2006/relationships" xmlns:p="http://schemas.openxmlformats.org/presentationml/2006/main">
   <p:cSld>
     <p:spTree>
@@ -7478,7 +7155,7 @@
             <a:fld id="{B6F15528-21DE-4FAA-801E-634DDDAF4B2B}" type="slidenum">
               <a:rPr lang="en-US" smtClean="0"/>
               <a:pPr/>
-              <a:t>26</a:t>
+              <a:t>25</a:t>
             </a:fld>
             <a:endParaRPr lang="en-US"/>
           </a:p>
@@ -7488,6 +7165,168 @@
     <p:extLst>
       <p:ext uri="{BB962C8B-B14F-4D97-AF65-F5344CB8AC3E}">
         <p14:creationId xmlns:p14="http://schemas.microsoft.com/office/powerpoint/2010/main" val="1287746794"/>
+      </p:ext>
+    </p:extLst>
+  </p:cSld>
+  <p:clrMapOvr>
+    <a:masterClrMapping/>
+  </p:clrMapOvr>
+</p:sld>
+</file>
+
+<file path=ppt/slides/slide26.xml><?xml version="1.0" encoding="utf-8"?>
+<p:sld xmlns:a="http://schemas.openxmlformats.org/drawingml/2006/main" xmlns:r="http://schemas.openxmlformats.org/officeDocument/2006/relationships" xmlns:p="http://schemas.openxmlformats.org/presentationml/2006/main">
+  <p:cSld>
+    <p:spTree>
+      <p:nvGrpSpPr>
+        <p:cNvPr id="1" name=""/>
+        <p:cNvGrpSpPr/>
+        <p:nvPr/>
+      </p:nvGrpSpPr>
+      <p:grpSpPr>
+        <a:xfrm>
+          <a:off x="0" y="0"/>
+          <a:ext cx="0" cy="0"/>
+          <a:chOff x="0" y="0"/>
+          <a:chExt cx="0" cy="0"/>
+        </a:xfrm>
+      </p:grpSpPr>
+      <p:sp>
+        <p:nvSpPr>
+          <p:cNvPr id="2" name="Title 1"/>
+          <p:cNvSpPr>
+            <a:spLocks noGrp="1"/>
+          </p:cNvSpPr>
+          <p:nvPr>
+            <p:ph type="title"/>
+          </p:nvPr>
+        </p:nvSpPr>
+        <p:spPr/>
+        <p:txBody>
+          <a:bodyPr/>
+          <a:lstStyle/>
+          <a:p>
+            <a:pPr algn="ctr"/>
+            <a:r>
+              <a:rPr lang="en-CA" dirty="0">
+                <a:solidFill>
+                  <a:schemeClr val="tx1"/>
+                </a:solidFill>
+              </a:rPr>
+              <a:t>Challenges</a:t>
+            </a:r>
+          </a:p>
+        </p:txBody>
+      </p:sp>
+      <p:sp>
+        <p:nvSpPr>
+          <p:cNvPr id="3" name="Content Placeholder 2"/>
+          <p:cNvSpPr>
+            <a:spLocks noGrp="1"/>
+          </p:cNvSpPr>
+          <p:nvPr>
+            <p:ph idx="1"/>
+          </p:nvPr>
+        </p:nvSpPr>
+        <p:spPr/>
+        <p:txBody>
+          <a:bodyPr>
+            <a:normAutofit/>
+          </a:bodyPr>
+          <a:lstStyle/>
+          <a:p>
+            <a:r>
+              <a:rPr lang="en-CA" sz="2200" dirty="0">
+                <a:solidFill>
+                  <a:schemeClr val="tx1"/>
+                </a:solidFill>
+              </a:rPr>
+              <a:t>Overwhelming amount of research involved</a:t>
+            </a:r>
+          </a:p>
+          <a:p>
+            <a:pPr lvl="1"/>
+            <a:r>
+              <a:rPr lang="en-CA" sz="2200" dirty="0">
+                <a:solidFill>
+                  <a:schemeClr val="tx1"/>
+                </a:solidFill>
+              </a:rPr>
+              <a:t>Every new idea requires a lot of preliminary studies to be done before its implementation</a:t>
+            </a:r>
+          </a:p>
+          <a:p>
+            <a:pPr lvl="1"/>
+            <a:r>
+              <a:rPr lang="en-CA" sz="2200" dirty="0">
+                <a:solidFill>
+                  <a:schemeClr val="tx1"/>
+                </a:solidFill>
+              </a:rPr>
+              <a:t>Increasing level of detail of simulation increases overall complexity</a:t>
+            </a:r>
+          </a:p>
+          <a:p>
+            <a:r>
+              <a:rPr lang="en-CA" sz="2200" dirty="0">
+                <a:solidFill>
+                  <a:schemeClr val="tx1"/>
+                </a:solidFill>
+              </a:rPr>
+              <a:t>Lack of time available</a:t>
+            </a:r>
+          </a:p>
+          <a:p>
+            <a:r>
+              <a:rPr lang="en-CA" sz="2200" dirty="0">
+                <a:solidFill>
+                  <a:schemeClr val="tx1"/>
+                </a:solidFill>
+              </a:rPr>
+              <a:t>MATLAB issues</a:t>
+            </a:r>
+          </a:p>
+          <a:p>
+            <a:pPr lvl="1"/>
+            <a:r>
+              <a:rPr lang="en-CA" sz="2200" dirty="0">
+                <a:solidFill>
+                  <a:schemeClr val="tx1"/>
+                </a:solidFill>
+              </a:rPr>
+              <a:t>Unavoidable RAM overflow prevents from simulating several quantities with real-world values</a:t>
+            </a:r>
+          </a:p>
+        </p:txBody>
+      </p:sp>
+      <p:sp>
+        <p:nvSpPr>
+          <p:cNvPr id="6" name="Slide Number Placeholder 5"/>
+          <p:cNvSpPr>
+            <a:spLocks noGrp="1"/>
+          </p:cNvSpPr>
+          <p:nvPr>
+            <p:ph type="sldNum" sz="quarter" idx="12"/>
+          </p:nvPr>
+        </p:nvSpPr>
+        <p:spPr/>
+        <p:txBody>
+          <a:bodyPr/>
+          <a:lstStyle/>
+          <a:p>
+            <a:fld id="{B6F15528-21DE-4FAA-801E-634DDDAF4B2B}" type="slidenum">
+              <a:rPr lang="en-US" smtClean="0"/>
+              <a:pPr/>
+              <a:t>26</a:t>
+            </a:fld>
+            <a:endParaRPr lang="en-US"/>
+          </a:p>
+        </p:txBody>
+      </p:sp>
+    </p:spTree>
+    <p:extLst>
+      <p:ext uri="{BB962C8B-B14F-4D97-AF65-F5344CB8AC3E}">
+        <p14:creationId xmlns:p14="http://schemas.microsoft.com/office/powerpoint/2010/main" val="3911939152"/>
       </p:ext>
     </p:extLst>
   </p:cSld>
@@ -7516,168 +7355,6 @@
       </p:grpSpPr>
       <p:sp>
         <p:nvSpPr>
-          <p:cNvPr id="2" name="Title 1"/>
-          <p:cNvSpPr>
-            <a:spLocks noGrp="1"/>
-          </p:cNvSpPr>
-          <p:nvPr>
-            <p:ph type="title"/>
-          </p:nvPr>
-        </p:nvSpPr>
-        <p:spPr/>
-        <p:txBody>
-          <a:bodyPr/>
-          <a:lstStyle/>
-          <a:p>
-            <a:pPr algn="ctr"/>
-            <a:r>
-              <a:rPr lang="en-CA" dirty="0">
-                <a:solidFill>
-                  <a:schemeClr val="tx1"/>
-                </a:solidFill>
-              </a:rPr>
-              <a:t>Challenges</a:t>
-            </a:r>
-          </a:p>
-        </p:txBody>
-      </p:sp>
-      <p:sp>
-        <p:nvSpPr>
-          <p:cNvPr id="3" name="Content Placeholder 2"/>
-          <p:cNvSpPr>
-            <a:spLocks noGrp="1"/>
-          </p:cNvSpPr>
-          <p:nvPr>
-            <p:ph idx="1"/>
-          </p:nvPr>
-        </p:nvSpPr>
-        <p:spPr/>
-        <p:txBody>
-          <a:bodyPr>
-            <a:normAutofit/>
-          </a:bodyPr>
-          <a:lstStyle/>
-          <a:p>
-            <a:r>
-              <a:rPr lang="en-CA" sz="2200" dirty="0">
-                <a:solidFill>
-                  <a:schemeClr val="tx1"/>
-                </a:solidFill>
-              </a:rPr>
-              <a:t>Overwhelming amount of research involved</a:t>
-            </a:r>
-          </a:p>
-          <a:p>
-            <a:pPr lvl="1"/>
-            <a:r>
-              <a:rPr lang="en-CA" sz="2200" dirty="0">
-                <a:solidFill>
-                  <a:schemeClr val="tx1"/>
-                </a:solidFill>
-              </a:rPr>
-              <a:t>Every new idea requires a lot of preliminary studies to be done before its implementation</a:t>
-            </a:r>
-          </a:p>
-          <a:p>
-            <a:pPr lvl="1"/>
-            <a:r>
-              <a:rPr lang="en-CA" sz="2200" dirty="0">
-                <a:solidFill>
-                  <a:schemeClr val="tx1"/>
-                </a:solidFill>
-              </a:rPr>
-              <a:t>Increasing level of detail of simulation increases overall complexity</a:t>
-            </a:r>
-          </a:p>
-          <a:p>
-            <a:r>
-              <a:rPr lang="en-CA" sz="2200" dirty="0">
-                <a:solidFill>
-                  <a:schemeClr val="tx1"/>
-                </a:solidFill>
-              </a:rPr>
-              <a:t>Lack of time available</a:t>
-            </a:r>
-          </a:p>
-          <a:p>
-            <a:r>
-              <a:rPr lang="en-CA" sz="2200" dirty="0">
-                <a:solidFill>
-                  <a:schemeClr val="tx1"/>
-                </a:solidFill>
-              </a:rPr>
-              <a:t>MATLAB issues</a:t>
-            </a:r>
-          </a:p>
-          <a:p>
-            <a:pPr lvl="1"/>
-            <a:r>
-              <a:rPr lang="en-CA" sz="2200" dirty="0">
-                <a:solidFill>
-                  <a:schemeClr val="tx1"/>
-                </a:solidFill>
-              </a:rPr>
-              <a:t>Unavoidable RAM overflow prevents from simulating several quantities with real-world values</a:t>
-            </a:r>
-          </a:p>
-        </p:txBody>
-      </p:sp>
-      <p:sp>
-        <p:nvSpPr>
-          <p:cNvPr id="6" name="Slide Number Placeholder 5"/>
-          <p:cNvSpPr>
-            <a:spLocks noGrp="1"/>
-          </p:cNvSpPr>
-          <p:nvPr>
-            <p:ph type="sldNum" sz="quarter" idx="12"/>
-          </p:nvPr>
-        </p:nvSpPr>
-        <p:spPr/>
-        <p:txBody>
-          <a:bodyPr/>
-          <a:lstStyle/>
-          <a:p>
-            <a:fld id="{B6F15528-21DE-4FAA-801E-634DDDAF4B2B}" type="slidenum">
-              <a:rPr lang="en-US" smtClean="0"/>
-              <a:pPr/>
-              <a:t>27</a:t>
-            </a:fld>
-            <a:endParaRPr lang="en-US"/>
-          </a:p>
-        </p:txBody>
-      </p:sp>
-    </p:spTree>
-    <p:extLst>
-      <p:ext uri="{BB962C8B-B14F-4D97-AF65-F5344CB8AC3E}">
-        <p14:creationId xmlns:p14="http://schemas.microsoft.com/office/powerpoint/2010/main" val="3911939152"/>
-      </p:ext>
-    </p:extLst>
-  </p:cSld>
-  <p:clrMapOvr>
-    <a:masterClrMapping/>
-  </p:clrMapOvr>
-</p:sld>
-</file>
-
-<file path=ppt/slides/slide28.xml><?xml version="1.0" encoding="utf-8"?>
-<p:sld xmlns:a="http://schemas.openxmlformats.org/drawingml/2006/main" xmlns:r="http://schemas.openxmlformats.org/officeDocument/2006/relationships" xmlns:p="http://schemas.openxmlformats.org/presentationml/2006/main">
-  <p:cSld>
-    <p:spTree>
-      <p:nvGrpSpPr>
-        <p:cNvPr id="1" name=""/>
-        <p:cNvGrpSpPr/>
-        <p:nvPr/>
-      </p:nvGrpSpPr>
-      <p:grpSpPr>
-        <a:xfrm>
-          <a:off x="0" y="0"/>
-          <a:ext cx="0" cy="0"/>
-          <a:chOff x="0" y="0"/>
-          <a:chExt cx="0" cy="0"/>
-        </a:xfrm>
-      </p:grpSpPr>
-      <p:sp>
-        <p:nvSpPr>
           <p:cNvPr id="4" name="Title 3"/>
           <p:cNvSpPr>
             <a:spLocks noGrp="1"/>
@@ -7723,7 +7400,7 @@
             <a:fld id="{B6F15528-21DE-4FAA-801E-634DDDAF4B2B}" type="slidenum">
               <a:rPr lang="en-US" smtClean="0"/>
               <a:pPr/>
-              <a:t>28</a:t>
+              <a:t>27</a:t>
             </a:fld>
             <a:endParaRPr lang="en-US" dirty="0"/>
           </a:p>
@@ -7829,7 +7506,7 @@
                   <a:schemeClr val="tx1"/>
                 </a:solidFill>
               </a:rPr>
-              <a:t>The model must be composed of discrete active and passive blocks for better testing.</a:t>
+              <a:t>The model must be composed of discrete user-defined functions for better testing.</a:t>
             </a:r>
           </a:p>
           <a:p>
@@ -8673,7 +8350,11 @@
           </p:cNvGraphicFramePr>
           <p:nvPr>
             <p:ph idx="1"/>
-            <p:extLst/>
+            <p:extLst>
+              <p:ext uri="{D42A27DB-BD31-4B8C-83A1-F6EECF244321}">
+                <p14:modId xmlns:p14="http://schemas.microsoft.com/office/powerpoint/2010/main" val="1858391230"/>
+              </p:ext>
+            </p:extLst>
           </p:nvPr>
         </p:nvGraphicFramePr>
         <p:xfrm>
@@ -8684,7 +8365,7 @@
           <a:graphicData uri="http://schemas.openxmlformats.org/presentationml/2006/ole">
             <mc:AlternateContent xmlns:mc="http://schemas.openxmlformats.org/markup-compatibility/2006">
               <mc:Choice xmlns:v="urn:schemas-microsoft-com:vml" Requires="v">
-                <p:oleObj spid="_x0000_s1032" name="Worksheet" r:id="rId3" imgW="7071360" imgH="6042817" progId="Excel.Sheet.12">
+                <p:oleObj spid="_x0000_s1034" name="Worksheet" r:id="rId3" imgW="7071360" imgH="6042817" progId="Excel.Sheet.12">
                   <p:embed/>
                 </p:oleObj>
               </mc:Choice>
